--- a/Pittsburgh Healthy Ride Analysis.pptx
+++ b/Pittsburgh Healthy Ride Analysis.pptx
@@ -17,10 +17,7 @@
     <p:sldId id="263" r:id="rId11"/>
     <p:sldId id="272" r:id="rId12"/>
     <p:sldId id="265" r:id="rId13"/>
-    <p:sldId id="264" r:id="rId14"/>
-    <p:sldId id="266" r:id="rId15"/>
-    <p:sldId id="267" r:id="rId16"/>
-    <p:sldId id="268" r:id="rId17"/>
+    <p:sldId id="268" r:id="rId14"/>
   </p:sldIdLst>
   <p:sldSz cx="12192000" cy="6858000"/>
   <p:notesSz cx="6858000" cy="9144000"/>
@@ -7392,1170 +7389,6 @@
 <file path=ppt/slides/slide13.xml><?xml version="1.0" encoding="utf-8"?>
 <p:sld xmlns:a="http://schemas.openxmlformats.org/drawingml/2006/main" xmlns:r="http://schemas.openxmlformats.org/officeDocument/2006/relationships" xmlns:p="http://schemas.openxmlformats.org/presentationml/2006/main">
   <p:cSld>
-    <p:spTree>
-      <p:nvGrpSpPr>
-        <p:cNvPr id="1" name=""/>
-        <p:cNvGrpSpPr/>
-        <p:nvPr/>
-      </p:nvGrpSpPr>
-      <p:grpSpPr>
-        <a:xfrm>
-          <a:off x="0" y="0"/>
-          <a:ext cx="0" cy="0"/>
-          <a:chOff x="0" y="0"/>
-          <a:chExt cx="0" cy="0"/>
-        </a:xfrm>
-      </p:grpSpPr>
-      <p:sp>
-        <p:nvSpPr>
-          <p:cNvPr id="2" name="Title 1">
-            <a:extLst>
-              <a:ext uri="{FF2B5EF4-FFF2-40B4-BE49-F238E27FC236}">
-                <a16:creationId xmlns:a16="http://schemas.microsoft.com/office/drawing/2014/main" id="{2B140181-F025-4FB2-83D7-3B5CE40CC9F8}"/>
-              </a:ext>
-            </a:extLst>
-          </p:cNvPr>
-          <p:cNvSpPr>
-            <a:spLocks noGrp="1"/>
-          </p:cNvSpPr>
-          <p:nvPr>
-            <p:ph type="title"/>
-          </p:nvPr>
-        </p:nvSpPr>
-        <p:spPr>
-          <a:xfrm>
-            <a:off x="1651366" y="1823263"/>
-            <a:ext cx="8534400" cy="1507067"/>
-          </a:xfrm>
-        </p:spPr>
-        <p:txBody>
-          <a:bodyPr/>
-          <a:lstStyle/>
-          <a:p>
-            <a:pPr algn="ctr"/>
-            <a:r>
-              <a:rPr lang="en-US" b="1" dirty="0"/>
-              <a:t>Approach to analysis</a:t>
-            </a:r>
-          </a:p>
-        </p:txBody>
-      </p:sp>
-    </p:spTree>
-    <p:extLst>
-      <p:ext uri="{BB962C8B-B14F-4D97-AF65-F5344CB8AC3E}">
-        <p14:creationId xmlns:p14="http://schemas.microsoft.com/office/powerpoint/2010/main" val="1103623315"/>
-      </p:ext>
-    </p:extLst>
-  </p:cSld>
-  <p:clrMapOvr>
-    <a:masterClrMapping/>
-  </p:clrMapOvr>
-</p:sld>
-</file>
-
-<file path=ppt/slides/slide14.xml><?xml version="1.0" encoding="utf-8"?>
-<p:sld xmlns:a="http://schemas.openxmlformats.org/drawingml/2006/main" xmlns:r="http://schemas.openxmlformats.org/officeDocument/2006/relationships" xmlns:p="http://schemas.openxmlformats.org/presentationml/2006/main">
-  <p:cSld>
-    <p:bg>
-      <p:bgPr>
-        <a:gradFill rotWithShape="1">
-          <a:gsLst>
-            <a:gs pos="10000">
-              <a:schemeClr val="bg2">
-                <a:tint val="97000"/>
-                <a:hueMod val="92000"/>
-                <a:satMod val="169000"/>
-                <a:lumMod val="164000"/>
-              </a:schemeClr>
-            </a:gs>
-            <a:gs pos="100000">
-              <a:schemeClr val="bg2">
-                <a:shade val="96000"/>
-                <a:satMod val="120000"/>
-                <a:lumMod val="90000"/>
-              </a:schemeClr>
-            </a:gs>
-          </a:gsLst>
-          <a:lin ang="6120000" scaled="1"/>
-        </a:gradFill>
-        <a:effectLst/>
-      </p:bgPr>
-    </p:bg>
-    <p:spTree>
-      <p:nvGrpSpPr>
-        <p:cNvPr id="1" name=""/>
-        <p:cNvGrpSpPr/>
-        <p:nvPr/>
-      </p:nvGrpSpPr>
-      <p:grpSpPr>
-        <a:xfrm>
-          <a:off x="0" y="0"/>
-          <a:ext cx="0" cy="0"/>
-          <a:chOff x="0" y="0"/>
-          <a:chExt cx="0" cy="0"/>
-        </a:xfrm>
-      </p:grpSpPr>
-      <p:grpSp>
-        <p:nvGrpSpPr>
-          <p:cNvPr id="19" name="Group 7">
-            <a:extLst>
-              <a:ext uri="{FF2B5EF4-FFF2-40B4-BE49-F238E27FC236}">
-                <a16:creationId xmlns:a16="http://schemas.microsoft.com/office/drawing/2014/main" id="{6CC7770B-E4E1-42D6-9437-DAA4A3A9E659}"/>
-              </a:ext>
-              <a:ext uri="{C183D7F6-B498-43B3-948B-1728B52AA6E4}">
-                <adec:decorative xmlns:adec="http://schemas.microsoft.com/office/drawing/2017/decorative" val="1"/>
-              </a:ext>
-            </a:extLst>
-          </p:cNvPr>
-          <p:cNvGrpSpPr>
-            <a:grpSpLocks noGrp="1" noUngrp="1" noRot="1" noChangeAspect="1" noMove="1" noResize="1"/>
-          </p:cNvGrpSpPr>
-          <p:nvPr>
-            <p:extLst>
-              <p:ext uri="{386F3935-93C4-4BCD-93E2-E3B085C9AB24}">
-                <p16:designElem xmlns:p16="http://schemas.microsoft.com/office/powerpoint/2015/main" val="1"/>
-              </p:ext>
-            </p:extLst>
-          </p:nvPr>
-        </p:nvGrpSpPr>
-        <p:grpSpPr>
-          <a:xfrm>
-            <a:off x="9206969" y="2963333"/>
-            <a:ext cx="2981858" cy="3208867"/>
-            <a:chOff x="9206969" y="2963333"/>
-            <a:chExt cx="2981858" cy="3208867"/>
-          </a:xfrm>
-        </p:grpSpPr>
-        <p:cxnSp>
-          <p:nvCxnSpPr>
-            <p:cNvPr id="9" name="Straight Connector 8">
-              <a:extLst>
-                <a:ext uri="{FF2B5EF4-FFF2-40B4-BE49-F238E27FC236}">
-                  <a16:creationId xmlns:a16="http://schemas.microsoft.com/office/drawing/2014/main" id="{5A26DE5B-A1A6-4746-8EF7-4D6809ED75EE}"/>
-                </a:ext>
-                <a:ext uri="{C183D7F6-B498-43B3-948B-1728B52AA6E4}">
-                  <adec:decorative xmlns:adec="http://schemas.microsoft.com/office/drawing/2017/decorative" val="1"/>
-                </a:ext>
-              </a:extLst>
-            </p:cNvPr>
-            <p:cNvCxnSpPr/>
-            <p:nvPr>
-              <p:extLst>
-                <p:ext uri="{386F3935-93C4-4BCD-93E2-E3B085C9AB24}">
-                  <p16:designElem xmlns:p16="http://schemas.microsoft.com/office/powerpoint/2015/main" val="1"/>
-                </p:ext>
-              </p:extLst>
-            </p:nvPr>
-          </p:nvCxnSpPr>
-          <p:spPr>
-            <a:xfrm flipH="1">
-              <a:off x="11276012" y="2963333"/>
-              <a:ext cx="912814" cy="912812"/>
-            </a:xfrm>
-            <a:prstGeom prst="line">
-              <a:avLst/>
-            </a:prstGeom>
-            <a:ln w="9525">
-              <a:solidFill>
-                <a:schemeClr val="tx1"/>
-              </a:solidFill>
-            </a:ln>
-          </p:spPr>
-          <p:style>
-            <a:lnRef idx="2">
-              <a:schemeClr val="accent1"/>
-            </a:lnRef>
-            <a:fillRef idx="0">
-              <a:schemeClr val="accent1"/>
-            </a:fillRef>
-            <a:effectRef idx="1">
-              <a:schemeClr val="accent1"/>
-            </a:effectRef>
-            <a:fontRef idx="minor">
-              <a:schemeClr val="tx1"/>
-            </a:fontRef>
-          </p:style>
-        </p:cxnSp>
-        <p:cxnSp>
-          <p:nvCxnSpPr>
-            <p:cNvPr id="10" name="Straight Connector 9">
-              <a:extLst>
-                <a:ext uri="{FF2B5EF4-FFF2-40B4-BE49-F238E27FC236}">
-                  <a16:creationId xmlns:a16="http://schemas.microsoft.com/office/drawing/2014/main" id="{377A3DDA-BF17-4302-867E-EBFD777B0627}"/>
-                </a:ext>
-                <a:ext uri="{C183D7F6-B498-43B3-948B-1728B52AA6E4}">
-                  <adec:decorative xmlns:adec="http://schemas.microsoft.com/office/drawing/2017/decorative" val="1"/>
-                </a:ext>
-              </a:extLst>
-            </p:cNvPr>
-            <p:cNvCxnSpPr/>
-            <p:nvPr>
-              <p:extLst>
-                <p:ext uri="{386F3935-93C4-4BCD-93E2-E3B085C9AB24}">
-                  <p16:designElem xmlns:p16="http://schemas.microsoft.com/office/powerpoint/2015/main" val="1"/>
-                </p:ext>
-              </p:extLst>
-            </p:nvPr>
-          </p:nvCxnSpPr>
-          <p:spPr>
-            <a:xfrm flipH="1">
-              <a:off x="9206969" y="3190344"/>
-              <a:ext cx="2981857" cy="2981856"/>
-            </a:xfrm>
-            <a:prstGeom prst="line">
-              <a:avLst/>
-            </a:prstGeom>
-            <a:ln w="9525">
-              <a:solidFill>
-                <a:schemeClr val="tx1"/>
-              </a:solidFill>
-            </a:ln>
-          </p:spPr>
-          <p:style>
-            <a:lnRef idx="2">
-              <a:schemeClr val="accent1"/>
-            </a:lnRef>
-            <a:fillRef idx="0">
-              <a:schemeClr val="accent1"/>
-            </a:fillRef>
-            <a:effectRef idx="1">
-              <a:schemeClr val="accent1"/>
-            </a:effectRef>
-            <a:fontRef idx="minor">
-              <a:schemeClr val="tx1"/>
-            </a:fontRef>
-          </p:style>
-        </p:cxnSp>
-        <p:cxnSp>
-          <p:nvCxnSpPr>
-            <p:cNvPr id="11" name="Straight Connector 10">
-              <a:extLst>
-                <a:ext uri="{FF2B5EF4-FFF2-40B4-BE49-F238E27FC236}">
-                  <a16:creationId xmlns:a16="http://schemas.microsoft.com/office/drawing/2014/main" id="{CBE30704-4227-4B7B-BDB8-BFCF39086FA4}"/>
-                </a:ext>
-                <a:ext uri="{C183D7F6-B498-43B3-948B-1728B52AA6E4}">
-                  <adec:decorative xmlns:adec="http://schemas.microsoft.com/office/drawing/2017/decorative" val="1"/>
-                </a:ext>
-              </a:extLst>
-            </p:cNvPr>
-            <p:cNvCxnSpPr/>
-            <p:nvPr>
-              <p:extLst>
-                <p:ext uri="{386F3935-93C4-4BCD-93E2-E3B085C9AB24}">
-                  <p16:designElem xmlns:p16="http://schemas.microsoft.com/office/powerpoint/2015/main" val="1"/>
-                </p:ext>
-              </p:extLst>
-            </p:nvPr>
-          </p:nvCxnSpPr>
-          <p:spPr>
-            <a:xfrm flipH="1">
-              <a:off x="10292292" y="3285067"/>
-              <a:ext cx="1896534" cy="1896533"/>
-            </a:xfrm>
-            <a:prstGeom prst="line">
-              <a:avLst/>
-            </a:prstGeom>
-            <a:ln w="9525">
-              <a:solidFill>
-                <a:schemeClr val="tx1"/>
-              </a:solidFill>
-            </a:ln>
-          </p:spPr>
-          <p:style>
-            <a:lnRef idx="2">
-              <a:schemeClr val="accent1"/>
-            </a:lnRef>
-            <a:fillRef idx="0">
-              <a:schemeClr val="accent1"/>
-            </a:fillRef>
-            <a:effectRef idx="1">
-              <a:schemeClr val="accent1"/>
-            </a:effectRef>
-            <a:fontRef idx="minor">
-              <a:schemeClr val="tx1"/>
-            </a:fontRef>
-          </p:style>
-        </p:cxnSp>
-        <p:cxnSp>
-          <p:nvCxnSpPr>
-            <p:cNvPr id="12" name="Straight Connector 11">
-              <a:extLst>
-                <a:ext uri="{FF2B5EF4-FFF2-40B4-BE49-F238E27FC236}">
-                  <a16:creationId xmlns:a16="http://schemas.microsoft.com/office/drawing/2014/main" id="{B923B1E7-AEA4-42D8-8F4A-9D116F29665C}"/>
-                </a:ext>
-                <a:ext uri="{C183D7F6-B498-43B3-948B-1728B52AA6E4}">
-                  <adec:decorative xmlns:adec="http://schemas.microsoft.com/office/drawing/2017/decorative" val="1"/>
-                </a:ext>
-              </a:extLst>
-            </p:cNvPr>
-            <p:cNvCxnSpPr/>
-            <p:nvPr>
-              <p:extLst>
-                <p:ext uri="{386F3935-93C4-4BCD-93E2-E3B085C9AB24}">
-                  <p16:designElem xmlns:p16="http://schemas.microsoft.com/office/powerpoint/2015/main" val="1"/>
-                </p:ext>
-              </p:extLst>
-            </p:nvPr>
-          </p:nvCxnSpPr>
-          <p:spPr>
-            <a:xfrm flipH="1">
-              <a:off x="10443103" y="3131080"/>
-              <a:ext cx="1745722" cy="1745720"/>
-            </a:xfrm>
-            <a:prstGeom prst="line">
-              <a:avLst/>
-            </a:prstGeom>
-            <a:ln w="28575">
-              <a:solidFill>
-                <a:schemeClr val="tx1"/>
-              </a:solidFill>
-            </a:ln>
-          </p:spPr>
-          <p:style>
-            <a:lnRef idx="2">
-              <a:schemeClr val="accent1"/>
-            </a:lnRef>
-            <a:fillRef idx="0">
-              <a:schemeClr val="accent1"/>
-            </a:fillRef>
-            <a:effectRef idx="1">
-              <a:schemeClr val="accent1"/>
-            </a:effectRef>
-            <a:fontRef idx="minor">
-              <a:schemeClr val="tx1"/>
-            </a:fontRef>
-          </p:style>
-        </p:cxnSp>
-        <p:cxnSp>
-          <p:nvCxnSpPr>
-            <p:cNvPr id="13" name="Straight Connector 12">
-              <a:extLst>
-                <a:ext uri="{FF2B5EF4-FFF2-40B4-BE49-F238E27FC236}">
-                  <a16:creationId xmlns:a16="http://schemas.microsoft.com/office/drawing/2014/main" id="{321B6244-6EAE-442C-ACCF-8146103EC1D5}"/>
-                </a:ext>
-                <a:ext uri="{C183D7F6-B498-43B3-948B-1728B52AA6E4}">
-                  <adec:decorative xmlns:adec="http://schemas.microsoft.com/office/drawing/2017/decorative" val="1"/>
-                </a:ext>
-              </a:extLst>
-            </p:cNvPr>
-            <p:cNvCxnSpPr/>
-            <p:nvPr>
-              <p:extLst>
-                <p:ext uri="{386F3935-93C4-4BCD-93E2-E3B085C9AB24}">
-                  <p16:designElem xmlns:p16="http://schemas.microsoft.com/office/powerpoint/2015/main" val="1"/>
-                </p:ext>
-              </p:extLst>
-            </p:nvPr>
-          </p:nvCxnSpPr>
-          <p:spPr>
-            <a:xfrm flipH="1">
-              <a:off x="10918826" y="3683001"/>
-              <a:ext cx="1270001" cy="1269999"/>
-            </a:xfrm>
-            <a:prstGeom prst="line">
-              <a:avLst/>
-            </a:prstGeom>
-            <a:ln w="28575">
-              <a:solidFill>
-                <a:schemeClr val="tx1"/>
-              </a:solidFill>
-            </a:ln>
-          </p:spPr>
-          <p:style>
-            <a:lnRef idx="2">
-              <a:schemeClr val="accent1"/>
-            </a:lnRef>
-            <a:fillRef idx="0">
-              <a:schemeClr val="accent1"/>
-            </a:fillRef>
-            <a:effectRef idx="1">
-              <a:schemeClr val="accent1"/>
-            </a:effectRef>
-            <a:fontRef idx="minor">
-              <a:schemeClr val="tx1"/>
-            </a:fontRef>
-          </p:style>
-        </p:cxnSp>
-      </p:grpSp>
-      <p:sp useBgFill="1">
-        <p:nvSpPr>
-          <p:cNvPr id="20" name="Rectangle 14">
-            <a:extLst>
-              <a:ext uri="{FF2B5EF4-FFF2-40B4-BE49-F238E27FC236}">
-                <a16:creationId xmlns:a16="http://schemas.microsoft.com/office/drawing/2014/main" id="{56D131F1-A2D1-4005-A4D4-3E6CED0BFE44}"/>
-              </a:ext>
-              <a:ext uri="{C183D7F6-B498-43B3-948B-1728B52AA6E4}">
-                <adec:decorative xmlns:adec="http://schemas.microsoft.com/office/drawing/2017/decorative" val="1"/>
-              </a:ext>
-            </a:extLst>
-          </p:cNvPr>
-          <p:cNvSpPr>
-            <a:spLocks noGrp="1" noRot="1" noChangeAspect="1" noMove="1" noResize="1" noEditPoints="1" noAdjustHandles="1" noChangeArrowheads="1" noChangeShapeType="1" noTextEdit="1"/>
-          </p:cNvSpPr>
-          <p:nvPr>
-            <p:extLst>
-              <p:ext uri="{386F3935-93C4-4BCD-93E2-E3B085C9AB24}">
-                <p16:designElem xmlns:p16="http://schemas.microsoft.com/office/powerpoint/2015/main" val="1"/>
-              </p:ext>
-            </p:extLst>
-          </p:nvPr>
-        </p:nvSpPr>
-        <p:spPr>
-          <a:xfrm>
-            <a:off x="0" y="0"/>
-            <a:ext cx="12192000" cy="6858000"/>
-          </a:xfrm>
-          <a:prstGeom prst="rect">
-            <a:avLst/>
-          </a:prstGeom>
-          <a:ln>
-            <a:noFill/>
-          </a:ln>
-        </p:spPr>
-        <p:style>
-          <a:lnRef idx="2">
-            <a:schemeClr val="accent1">
-              <a:shade val="50000"/>
-            </a:schemeClr>
-          </a:lnRef>
-          <a:fillRef idx="1002">
-            <a:schemeClr val="dk2"/>
-          </a:fillRef>
-          <a:effectRef idx="0">
-            <a:schemeClr val="accent1"/>
-          </a:effectRef>
-          <a:fontRef idx="minor">
-            <a:schemeClr val="lt1"/>
-          </a:fontRef>
-        </p:style>
-        <p:txBody>
-          <a:bodyPr rtlCol="0" anchor="ctr"/>
-          <a:lstStyle/>
-          <a:p>
-            <a:pPr algn="ctr"/>
-            <a:endParaRPr lang="en-US"/>
-          </a:p>
-        </p:txBody>
-      </p:sp>
-      <p:sp>
-        <p:nvSpPr>
-          <p:cNvPr id="2" name="Title 1">
-            <a:extLst>
-              <a:ext uri="{FF2B5EF4-FFF2-40B4-BE49-F238E27FC236}">
-                <a16:creationId xmlns:a16="http://schemas.microsoft.com/office/drawing/2014/main" id="{2CDF9B81-43FB-451E-8D78-85F80B97D864}"/>
-              </a:ext>
-            </a:extLst>
-          </p:cNvPr>
-          <p:cNvSpPr>
-            <a:spLocks noGrp="1"/>
-          </p:cNvSpPr>
-          <p:nvPr>
-            <p:ph type="title"/>
-          </p:nvPr>
-        </p:nvSpPr>
-        <p:spPr>
-          <a:xfrm>
-            <a:off x="684212" y="4799010"/>
-            <a:ext cx="9269412" cy="1155267"/>
-          </a:xfrm>
-        </p:spPr>
-        <p:txBody>
-          <a:bodyPr vert="horz" lIns="91440" tIns="45720" rIns="91440" bIns="45720" rtlCol="0" anchor="ctr">
-            <a:normAutofit/>
-          </a:bodyPr>
-          <a:lstStyle/>
-          <a:p>
-            <a:r>
-              <a:rPr lang="en-US" b="1" dirty="0">
-                <a:solidFill>
-                  <a:srgbClr val="FFFFFF"/>
-                </a:solidFill>
-              </a:rPr>
-              <a:t>Cleansed data</a:t>
-            </a:r>
-          </a:p>
-        </p:txBody>
-      </p:sp>
-      <p:sp>
-        <p:nvSpPr>
-          <p:cNvPr id="21" name="Snip Diagonal Corner Rectangle 21">
-            <a:extLst>
-              <a:ext uri="{FF2B5EF4-FFF2-40B4-BE49-F238E27FC236}">
-                <a16:creationId xmlns:a16="http://schemas.microsoft.com/office/drawing/2014/main" id="{81A7082F-8898-45F9-9051-28EFBA30FD82}"/>
-              </a:ext>
-              <a:ext uri="{C183D7F6-B498-43B3-948B-1728B52AA6E4}">
-                <adec:decorative xmlns:adec="http://schemas.microsoft.com/office/drawing/2017/decorative" val="1"/>
-              </a:ext>
-            </a:extLst>
-          </p:cNvPr>
-          <p:cNvSpPr>
-            <a:spLocks noGrp="1" noRot="1" noChangeAspect="1" noMove="1" noResize="1" noEditPoints="1" noAdjustHandles="1" noChangeArrowheads="1" noChangeShapeType="1" noTextEdit="1"/>
-          </p:cNvSpPr>
-          <p:nvPr>
-            <p:extLst>
-              <p:ext uri="{386F3935-93C4-4BCD-93E2-E3B085C9AB24}">
-                <p16:designElem xmlns:p16="http://schemas.microsoft.com/office/powerpoint/2015/main" val="1"/>
-              </p:ext>
-            </p:extLst>
-          </p:nvPr>
-        </p:nvSpPr>
-        <p:spPr>
-          <a:xfrm>
-            <a:off x="1" y="0"/>
-            <a:ext cx="12188824" cy="4572000"/>
-          </a:xfrm>
-          <a:prstGeom prst="snip2DiagRect">
-            <a:avLst>
-              <a:gd name="adj1" fmla="val 0"/>
-              <a:gd name="adj2" fmla="val 0"/>
-            </a:avLst>
-          </a:prstGeom>
-          <a:solidFill>
-            <a:schemeClr val="tx1">
-              <a:alpha val="37000"/>
-            </a:schemeClr>
-          </a:solidFill>
-          <a:ln>
-            <a:noFill/>
-          </a:ln>
-          <a:effectLst/>
-        </p:spPr>
-        <p:style>
-          <a:lnRef idx="2">
-            <a:schemeClr val="accent1">
-              <a:shade val="50000"/>
-            </a:schemeClr>
-          </a:lnRef>
-          <a:fillRef idx="1">
-            <a:schemeClr val="accent1"/>
-          </a:fillRef>
-          <a:effectRef idx="0">
-            <a:schemeClr val="accent1"/>
-          </a:effectRef>
-          <a:fontRef idx="minor">
-            <a:schemeClr val="lt1"/>
-          </a:fontRef>
-        </p:style>
-        <p:txBody>
-          <a:bodyPr rtlCol="0" anchor="ctr"/>
-          <a:lstStyle/>
-          <a:p>
-            <a:pPr algn="ctr"/>
-            <a:endParaRPr lang="en-US"/>
-          </a:p>
-        </p:txBody>
-      </p:sp>
-      <p:pic>
-        <p:nvPicPr>
-          <p:cNvPr id="5" name="Picture 4">
-            <a:extLst>
-              <a:ext uri="{FF2B5EF4-FFF2-40B4-BE49-F238E27FC236}">
-                <a16:creationId xmlns:a16="http://schemas.microsoft.com/office/drawing/2014/main" id="{AE8463E0-72B5-4FB4-A6B1-17341E35C147}"/>
-              </a:ext>
-            </a:extLst>
-          </p:cNvPr>
-          <p:cNvPicPr>
-            <a:picLocks noChangeAspect="1"/>
-          </p:cNvPicPr>
-          <p:nvPr/>
-        </p:nvPicPr>
-        <p:blipFill>
-          <a:blip r:embed="rId2"/>
-          <a:stretch>
-            <a:fillRect/>
-          </a:stretch>
-        </p:blipFill>
-        <p:spPr>
-          <a:xfrm>
-            <a:off x="136525" y="166632"/>
-            <a:ext cx="5959475" cy="3728655"/>
-          </a:xfrm>
-          <a:prstGeom prst="rect">
-            <a:avLst/>
-          </a:prstGeom>
-        </p:spPr>
-      </p:pic>
-      <p:pic>
-        <p:nvPicPr>
-          <p:cNvPr id="7" name="Picture 6">
-            <a:extLst>
-              <a:ext uri="{FF2B5EF4-FFF2-40B4-BE49-F238E27FC236}">
-                <a16:creationId xmlns:a16="http://schemas.microsoft.com/office/drawing/2014/main" id="{D6D40E72-2EB8-4A9C-A3AC-CA33682F9C86}"/>
-              </a:ext>
-            </a:extLst>
-          </p:cNvPr>
-          <p:cNvPicPr>
-            <a:picLocks noChangeAspect="1"/>
-          </p:cNvPicPr>
-          <p:nvPr/>
-        </p:nvPicPr>
-        <p:blipFill>
-          <a:blip r:embed="rId3"/>
-          <a:stretch>
-            <a:fillRect/>
-          </a:stretch>
-        </p:blipFill>
-        <p:spPr>
-          <a:xfrm>
-            <a:off x="6571723" y="166632"/>
-            <a:ext cx="5226335" cy="3972804"/>
-          </a:xfrm>
-          <a:prstGeom prst="rect">
-            <a:avLst/>
-          </a:prstGeom>
-        </p:spPr>
-      </p:pic>
-    </p:spTree>
-    <p:extLst>
-      <p:ext uri="{BB962C8B-B14F-4D97-AF65-F5344CB8AC3E}">
-        <p14:creationId xmlns:p14="http://schemas.microsoft.com/office/powerpoint/2010/main" val="2045779235"/>
-      </p:ext>
-    </p:extLst>
-  </p:cSld>
-  <p:clrMapOvr>
-    <a:masterClrMapping/>
-  </p:clrMapOvr>
-</p:sld>
-</file>
-
-<file path=ppt/slides/slide15.xml><?xml version="1.0" encoding="utf-8"?>
-<p:sld xmlns:a="http://schemas.openxmlformats.org/drawingml/2006/main" xmlns:r="http://schemas.openxmlformats.org/officeDocument/2006/relationships" xmlns:p="http://schemas.openxmlformats.org/presentationml/2006/main">
-  <p:cSld>
-    <p:bg>
-      <p:bgPr>
-        <a:gradFill rotWithShape="1">
-          <a:gsLst>
-            <a:gs pos="10000">
-              <a:schemeClr val="bg2">
-                <a:tint val="97000"/>
-                <a:hueMod val="92000"/>
-                <a:satMod val="169000"/>
-                <a:lumMod val="164000"/>
-              </a:schemeClr>
-            </a:gs>
-            <a:gs pos="100000">
-              <a:schemeClr val="bg2">
-                <a:shade val="96000"/>
-                <a:satMod val="120000"/>
-                <a:lumMod val="90000"/>
-              </a:schemeClr>
-            </a:gs>
-          </a:gsLst>
-          <a:lin ang="6120000" scaled="1"/>
-        </a:gradFill>
-        <a:effectLst/>
-      </p:bgPr>
-    </p:bg>
-    <p:spTree>
-      <p:nvGrpSpPr>
-        <p:cNvPr id="1" name=""/>
-        <p:cNvGrpSpPr/>
-        <p:nvPr/>
-      </p:nvGrpSpPr>
-      <p:grpSpPr>
-        <a:xfrm>
-          <a:off x="0" y="0"/>
-          <a:ext cx="0" cy="0"/>
-          <a:chOff x="0" y="0"/>
-          <a:chExt cx="0" cy="0"/>
-        </a:xfrm>
-      </p:grpSpPr>
-      <p:grpSp>
-        <p:nvGrpSpPr>
-          <p:cNvPr id="19" name="Group 7">
-            <a:extLst>
-              <a:ext uri="{FF2B5EF4-FFF2-40B4-BE49-F238E27FC236}">
-                <a16:creationId xmlns:a16="http://schemas.microsoft.com/office/drawing/2014/main" id="{6CC7770B-E4E1-42D6-9437-DAA4A3A9E659}"/>
-              </a:ext>
-              <a:ext uri="{C183D7F6-B498-43B3-948B-1728B52AA6E4}">
-                <adec:decorative xmlns:adec="http://schemas.microsoft.com/office/drawing/2017/decorative" val="1"/>
-              </a:ext>
-            </a:extLst>
-          </p:cNvPr>
-          <p:cNvGrpSpPr>
-            <a:grpSpLocks noGrp="1" noUngrp="1" noRot="1" noChangeAspect="1" noMove="1" noResize="1"/>
-          </p:cNvGrpSpPr>
-          <p:nvPr>
-            <p:extLst>
-              <p:ext uri="{386F3935-93C4-4BCD-93E2-E3B085C9AB24}">
-                <p16:designElem xmlns:p16="http://schemas.microsoft.com/office/powerpoint/2015/main" val="1"/>
-              </p:ext>
-            </p:extLst>
-          </p:nvPr>
-        </p:nvGrpSpPr>
-        <p:grpSpPr>
-          <a:xfrm>
-            <a:off x="9206969" y="2963333"/>
-            <a:ext cx="2981858" cy="3208867"/>
-            <a:chOff x="9206969" y="2963333"/>
-            <a:chExt cx="2981858" cy="3208867"/>
-          </a:xfrm>
-        </p:grpSpPr>
-        <p:cxnSp>
-          <p:nvCxnSpPr>
-            <p:cNvPr id="9" name="Straight Connector 8">
-              <a:extLst>
-                <a:ext uri="{FF2B5EF4-FFF2-40B4-BE49-F238E27FC236}">
-                  <a16:creationId xmlns:a16="http://schemas.microsoft.com/office/drawing/2014/main" id="{5A26DE5B-A1A6-4746-8EF7-4D6809ED75EE}"/>
-                </a:ext>
-                <a:ext uri="{C183D7F6-B498-43B3-948B-1728B52AA6E4}">
-                  <adec:decorative xmlns:adec="http://schemas.microsoft.com/office/drawing/2017/decorative" val="1"/>
-                </a:ext>
-              </a:extLst>
-            </p:cNvPr>
-            <p:cNvCxnSpPr/>
-            <p:nvPr>
-              <p:extLst>
-                <p:ext uri="{386F3935-93C4-4BCD-93E2-E3B085C9AB24}">
-                  <p16:designElem xmlns:p16="http://schemas.microsoft.com/office/powerpoint/2015/main" val="1"/>
-                </p:ext>
-              </p:extLst>
-            </p:nvPr>
-          </p:nvCxnSpPr>
-          <p:spPr>
-            <a:xfrm flipH="1">
-              <a:off x="11276012" y="2963333"/>
-              <a:ext cx="912814" cy="912812"/>
-            </a:xfrm>
-            <a:prstGeom prst="line">
-              <a:avLst/>
-            </a:prstGeom>
-            <a:ln w="9525">
-              <a:solidFill>
-                <a:schemeClr val="tx1"/>
-              </a:solidFill>
-            </a:ln>
-          </p:spPr>
-          <p:style>
-            <a:lnRef idx="2">
-              <a:schemeClr val="accent1"/>
-            </a:lnRef>
-            <a:fillRef idx="0">
-              <a:schemeClr val="accent1"/>
-            </a:fillRef>
-            <a:effectRef idx="1">
-              <a:schemeClr val="accent1"/>
-            </a:effectRef>
-            <a:fontRef idx="minor">
-              <a:schemeClr val="tx1"/>
-            </a:fontRef>
-          </p:style>
-        </p:cxnSp>
-        <p:cxnSp>
-          <p:nvCxnSpPr>
-            <p:cNvPr id="10" name="Straight Connector 9">
-              <a:extLst>
-                <a:ext uri="{FF2B5EF4-FFF2-40B4-BE49-F238E27FC236}">
-                  <a16:creationId xmlns:a16="http://schemas.microsoft.com/office/drawing/2014/main" id="{377A3DDA-BF17-4302-867E-EBFD777B0627}"/>
-                </a:ext>
-                <a:ext uri="{C183D7F6-B498-43B3-948B-1728B52AA6E4}">
-                  <adec:decorative xmlns:adec="http://schemas.microsoft.com/office/drawing/2017/decorative" val="1"/>
-                </a:ext>
-              </a:extLst>
-            </p:cNvPr>
-            <p:cNvCxnSpPr/>
-            <p:nvPr>
-              <p:extLst>
-                <p:ext uri="{386F3935-93C4-4BCD-93E2-E3B085C9AB24}">
-                  <p16:designElem xmlns:p16="http://schemas.microsoft.com/office/powerpoint/2015/main" val="1"/>
-                </p:ext>
-              </p:extLst>
-            </p:nvPr>
-          </p:nvCxnSpPr>
-          <p:spPr>
-            <a:xfrm flipH="1">
-              <a:off x="9206969" y="3190344"/>
-              <a:ext cx="2981857" cy="2981856"/>
-            </a:xfrm>
-            <a:prstGeom prst="line">
-              <a:avLst/>
-            </a:prstGeom>
-            <a:ln w="9525">
-              <a:solidFill>
-                <a:schemeClr val="tx1"/>
-              </a:solidFill>
-            </a:ln>
-          </p:spPr>
-          <p:style>
-            <a:lnRef idx="2">
-              <a:schemeClr val="accent1"/>
-            </a:lnRef>
-            <a:fillRef idx="0">
-              <a:schemeClr val="accent1"/>
-            </a:fillRef>
-            <a:effectRef idx="1">
-              <a:schemeClr val="accent1"/>
-            </a:effectRef>
-            <a:fontRef idx="minor">
-              <a:schemeClr val="tx1"/>
-            </a:fontRef>
-          </p:style>
-        </p:cxnSp>
-        <p:cxnSp>
-          <p:nvCxnSpPr>
-            <p:cNvPr id="11" name="Straight Connector 10">
-              <a:extLst>
-                <a:ext uri="{FF2B5EF4-FFF2-40B4-BE49-F238E27FC236}">
-                  <a16:creationId xmlns:a16="http://schemas.microsoft.com/office/drawing/2014/main" id="{CBE30704-4227-4B7B-BDB8-BFCF39086FA4}"/>
-                </a:ext>
-                <a:ext uri="{C183D7F6-B498-43B3-948B-1728B52AA6E4}">
-                  <adec:decorative xmlns:adec="http://schemas.microsoft.com/office/drawing/2017/decorative" val="1"/>
-                </a:ext>
-              </a:extLst>
-            </p:cNvPr>
-            <p:cNvCxnSpPr/>
-            <p:nvPr>
-              <p:extLst>
-                <p:ext uri="{386F3935-93C4-4BCD-93E2-E3B085C9AB24}">
-                  <p16:designElem xmlns:p16="http://schemas.microsoft.com/office/powerpoint/2015/main" val="1"/>
-                </p:ext>
-              </p:extLst>
-            </p:nvPr>
-          </p:nvCxnSpPr>
-          <p:spPr>
-            <a:xfrm flipH="1">
-              <a:off x="10292292" y="3285067"/>
-              <a:ext cx="1896534" cy="1896533"/>
-            </a:xfrm>
-            <a:prstGeom prst="line">
-              <a:avLst/>
-            </a:prstGeom>
-            <a:ln w="9525">
-              <a:solidFill>
-                <a:schemeClr val="tx1"/>
-              </a:solidFill>
-            </a:ln>
-          </p:spPr>
-          <p:style>
-            <a:lnRef idx="2">
-              <a:schemeClr val="accent1"/>
-            </a:lnRef>
-            <a:fillRef idx="0">
-              <a:schemeClr val="accent1"/>
-            </a:fillRef>
-            <a:effectRef idx="1">
-              <a:schemeClr val="accent1"/>
-            </a:effectRef>
-            <a:fontRef idx="minor">
-              <a:schemeClr val="tx1"/>
-            </a:fontRef>
-          </p:style>
-        </p:cxnSp>
-        <p:cxnSp>
-          <p:nvCxnSpPr>
-            <p:cNvPr id="12" name="Straight Connector 11">
-              <a:extLst>
-                <a:ext uri="{FF2B5EF4-FFF2-40B4-BE49-F238E27FC236}">
-                  <a16:creationId xmlns:a16="http://schemas.microsoft.com/office/drawing/2014/main" id="{B923B1E7-AEA4-42D8-8F4A-9D116F29665C}"/>
-                </a:ext>
-                <a:ext uri="{C183D7F6-B498-43B3-948B-1728B52AA6E4}">
-                  <adec:decorative xmlns:adec="http://schemas.microsoft.com/office/drawing/2017/decorative" val="1"/>
-                </a:ext>
-              </a:extLst>
-            </p:cNvPr>
-            <p:cNvCxnSpPr/>
-            <p:nvPr>
-              <p:extLst>
-                <p:ext uri="{386F3935-93C4-4BCD-93E2-E3B085C9AB24}">
-                  <p16:designElem xmlns:p16="http://schemas.microsoft.com/office/powerpoint/2015/main" val="1"/>
-                </p:ext>
-              </p:extLst>
-            </p:nvPr>
-          </p:nvCxnSpPr>
-          <p:spPr>
-            <a:xfrm flipH="1">
-              <a:off x="10443103" y="3131080"/>
-              <a:ext cx="1745722" cy="1745720"/>
-            </a:xfrm>
-            <a:prstGeom prst="line">
-              <a:avLst/>
-            </a:prstGeom>
-            <a:ln w="28575">
-              <a:solidFill>
-                <a:schemeClr val="tx1"/>
-              </a:solidFill>
-            </a:ln>
-          </p:spPr>
-          <p:style>
-            <a:lnRef idx="2">
-              <a:schemeClr val="accent1"/>
-            </a:lnRef>
-            <a:fillRef idx="0">
-              <a:schemeClr val="accent1"/>
-            </a:fillRef>
-            <a:effectRef idx="1">
-              <a:schemeClr val="accent1"/>
-            </a:effectRef>
-            <a:fontRef idx="minor">
-              <a:schemeClr val="tx1"/>
-            </a:fontRef>
-          </p:style>
-        </p:cxnSp>
-        <p:cxnSp>
-          <p:nvCxnSpPr>
-            <p:cNvPr id="13" name="Straight Connector 12">
-              <a:extLst>
-                <a:ext uri="{FF2B5EF4-FFF2-40B4-BE49-F238E27FC236}">
-                  <a16:creationId xmlns:a16="http://schemas.microsoft.com/office/drawing/2014/main" id="{321B6244-6EAE-442C-ACCF-8146103EC1D5}"/>
-                </a:ext>
-                <a:ext uri="{C183D7F6-B498-43B3-948B-1728B52AA6E4}">
-                  <adec:decorative xmlns:adec="http://schemas.microsoft.com/office/drawing/2017/decorative" val="1"/>
-                </a:ext>
-              </a:extLst>
-            </p:cNvPr>
-            <p:cNvCxnSpPr/>
-            <p:nvPr>
-              <p:extLst>
-                <p:ext uri="{386F3935-93C4-4BCD-93E2-E3B085C9AB24}">
-                  <p16:designElem xmlns:p16="http://schemas.microsoft.com/office/powerpoint/2015/main" val="1"/>
-                </p:ext>
-              </p:extLst>
-            </p:nvPr>
-          </p:nvCxnSpPr>
-          <p:spPr>
-            <a:xfrm flipH="1">
-              <a:off x="10918826" y="3683001"/>
-              <a:ext cx="1270001" cy="1269999"/>
-            </a:xfrm>
-            <a:prstGeom prst="line">
-              <a:avLst/>
-            </a:prstGeom>
-            <a:ln w="28575">
-              <a:solidFill>
-                <a:schemeClr val="tx1"/>
-              </a:solidFill>
-            </a:ln>
-          </p:spPr>
-          <p:style>
-            <a:lnRef idx="2">
-              <a:schemeClr val="accent1"/>
-            </a:lnRef>
-            <a:fillRef idx="0">
-              <a:schemeClr val="accent1"/>
-            </a:fillRef>
-            <a:effectRef idx="1">
-              <a:schemeClr val="accent1"/>
-            </a:effectRef>
-            <a:fontRef idx="minor">
-              <a:schemeClr val="tx1"/>
-            </a:fontRef>
-          </p:style>
-        </p:cxnSp>
-      </p:grpSp>
-      <p:sp useBgFill="1">
-        <p:nvSpPr>
-          <p:cNvPr id="20" name="Rectangle 14">
-            <a:extLst>
-              <a:ext uri="{FF2B5EF4-FFF2-40B4-BE49-F238E27FC236}">
-                <a16:creationId xmlns:a16="http://schemas.microsoft.com/office/drawing/2014/main" id="{56D131F1-A2D1-4005-A4D4-3E6CED0BFE44}"/>
-              </a:ext>
-              <a:ext uri="{C183D7F6-B498-43B3-948B-1728B52AA6E4}">
-                <adec:decorative xmlns:adec="http://schemas.microsoft.com/office/drawing/2017/decorative" val="1"/>
-              </a:ext>
-            </a:extLst>
-          </p:cNvPr>
-          <p:cNvSpPr>
-            <a:spLocks noGrp="1" noRot="1" noChangeAspect="1" noMove="1" noResize="1" noEditPoints="1" noAdjustHandles="1" noChangeArrowheads="1" noChangeShapeType="1" noTextEdit="1"/>
-          </p:cNvSpPr>
-          <p:nvPr>
-            <p:extLst>
-              <p:ext uri="{386F3935-93C4-4BCD-93E2-E3B085C9AB24}">
-                <p16:designElem xmlns:p16="http://schemas.microsoft.com/office/powerpoint/2015/main" val="1"/>
-              </p:ext>
-            </p:extLst>
-          </p:nvPr>
-        </p:nvSpPr>
-        <p:spPr>
-          <a:xfrm>
-            <a:off x="0" y="0"/>
-            <a:ext cx="12192000" cy="6858000"/>
-          </a:xfrm>
-          <a:prstGeom prst="rect">
-            <a:avLst/>
-          </a:prstGeom>
-          <a:ln>
-            <a:noFill/>
-          </a:ln>
-        </p:spPr>
-        <p:style>
-          <a:lnRef idx="2">
-            <a:schemeClr val="accent1">
-              <a:shade val="50000"/>
-            </a:schemeClr>
-          </a:lnRef>
-          <a:fillRef idx="1002">
-            <a:schemeClr val="dk2"/>
-          </a:fillRef>
-          <a:effectRef idx="0">
-            <a:schemeClr val="accent1"/>
-          </a:effectRef>
-          <a:fontRef idx="minor">
-            <a:schemeClr val="lt1"/>
-          </a:fontRef>
-        </p:style>
-        <p:txBody>
-          <a:bodyPr rtlCol="0" anchor="ctr"/>
-          <a:lstStyle/>
-          <a:p>
-            <a:pPr algn="ctr"/>
-            <a:endParaRPr lang="en-US"/>
-          </a:p>
-        </p:txBody>
-      </p:sp>
-      <p:sp>
-        <p:nvSpPr>
-          <p:cNvPr id="2" name="Title 1">
-            <a:extLst>
-              <a:ext uri="{FF2B5EF4-FFF2-40B4-BE49-F238E27FC236}">
-                <a16:creationId xmlns:a16="http://schemas.microsoft.com/office/drawing/2014/main" id="{2CDF9B81-43FB-451E-8D78-85F80B97D864}"/>
-              </a:ext>
-            </a:extLst>
-          </p:cNvPr>
-          <p:cNvSpPr>
-            <a:spLocks noGrp="1"/>
-          </p:cNvSpPr>
-          <p:nvPr>
-            <p:ph type="title"/>
-          </p:nvPr>
-        </p:nvSpPr>
-        <p:spPr>
-          <a:xfrm>
-            <a:off x="684212" y="4799010"/>
-            <a:ext cx="9269412" cy="1155267"/>
-          </a:xfrm>
-        </p:spPr>
-        <p:txBody>
-          <a:bodyPr vert="horz" lIns="91440" tIns="45720" rIns="91440" bIns="45720" rtlCol="0" anchor="ctr">
-            <a:normAutofit/>
-          </a:bodyPr>
-          <a:lstStyle/>
-          <a:p>
-            <a:r>
-              <a:rPr lang="en-US" b="1" dirty="0">
-                <a:solidFill>
-                  <a:srgbClr val="FFFFFF"/>
-                </a:solidFill>
-              </a:rPr>
-              <a:t>Transformed &amp; Loaded Data</a:t>
-            </a:r>
-          </a:p>
-        </p:txBody>
-      </p:sp>
-      <p:sp>
-        <p:nvSpPr>
-          <p:cNvPr id="21" name="Snip Diagonal Corner Rectangle 21">
-            <a:extLst>
-              <a:ext uri="{FF2B5EF4-FFF2-40B4-BE49-F238E27FC236}">
-                <a16:creationId xmlns:a16="http://schemas.microsoft.com/office/drawing/2014/main" id="{81A7082F-8898-45F9-9051-28EFBA30FD82}"/>
-              </a:ext>
-              <a:ext uri="{C183D7F6-B498-43B3-948B-1728B52AA6E4}">
-                <adec:decorative xmlns:adec="http://schemas.microsoft.com/office/drawing/2017/decorative" val="1"/>
-              </a:ext>
-            </a:extLst>
-          </p:cNvPr>
-          <p:cNvSpPr>
-            <a:spLocks noGrp="1" noRot="1" noChangeAspect="1" noMove="1" noResize="1" noEditPoints="1" noAdjustHandles="1" noChangeArrowheads="1" noChangeShapeType="1" noTextEdit="1"/>
-          </p:cNvSpPr>
-          <p:nvPr>
-            <p:extLst>
-              <p:ext uri="{386F3935-93C4-4BCD-93E2-E3B085C9AB24}">
-                <p16:designElem xmlns:p16="http://schemas.microsoft.com/office/powerpoint/2015/main" val="1"/>
-              </p:ext>
-            </p:extLst>
-          </p:nvPr>
-        </p:nvSpPr>
-        <p:spPr>
-          <a:xfrm>
-            <a:off x="1" y="0"/>
-            <a:ext cx="12188824" cy="4572000"/>
-          </a:xfrm>
-          <a:prstGeom prst="snip2DiagRect">
-            <a:avLst>
-              <a:gd name="adj1" fmla="val 0"/>
-              <a:gd name="adj2" fmla="val 0"/>
-            </a:avLst>
-          </a:prstGeom>
-          <a:solidFill>
-            <a:schemeClr val="tx1">
-              <a:alpha val="37000"/>
-            </a:schemeClr>
-          </a:solidFill>
-          <a:ln>
-            <a:noFill/>
-          </a:ln>
-          <a:effectLst/>
-        </p:spPr>
-        <p:style>
-          <a:lnRef idx="2">
-            <a:schemeClr val="accent1">
-              <a:shade val="50000"/>
-            </a:schemeClr>
-          </a:lnRef>
-          <a:fillRef idx="1">
-            <a:schemeClr val="accent1"/>
-          </a:fillRef>
-          <a:effectRef idx="0">
-            <a:schemeClr val="accent1"/>
-          </a:effectRef>
-          <a:fontRef idx="minor">
-            <a:schemeClr val="lt1"/>
-          </a:fontRef>
-        </p:style>
-        <p:txBody>
-          <a:bodyPr rtlCol="0" anchor="ctr"/>
-          <a:lstStyle/>
-          <a:p>
-            <a:pPr algn="ctr"/>
-            <a:endParaRPr lang="en-US"/>
-          </a:p>
-        </p:txBody>
-      </p:sp>
-      <p:pic>
-        <p:nvPicPr>
-          <p:cNvPr id="4" name="Picture 3">
-            <a:extLst>
-              <a:ext uri="{FF2B5EF4-FFF2-40B4-BE49-F238E27FC236}">
-                <a16:creationId xmlns:a16="http://schemas.microsoft.com/office/drawing/2014/main" id="{A5BF9C85-1063-42BB-91B0-9DD7E7738F06}"/>
-              </a:ext>
-            </a:extLst>
-          </p:cNvPr>
-          <p:cNvPicPr>
-            <a:picLocks noChangeAspect="1"/>
-          </p:cNvPicPr>
-          <p:nvPr/>
-        </p:nvPicPr>
-        <p:blipFill>
-          <a:blip r:embed="rId2"/>
-          <a:stretch>
-            <a:fillRect/>
-          </a:stretch>
-        </p:blipFill>
-        <p:spPr>
-          <a:xfrm>
-            <a:off x="1558396" y="494862"/>
-            <a:ext cx="8943975" cy="3400425"/>
-          </a:xfrm>
-          <a:prstGeom prst="rect">
-            <a:avLst/>
-          </a:prstGeom>
-        </p:spPr>
-      </p:pic>
-    </p:spTree>
-    <p:extLst>
-      <p:ext uri="{BB962C8B-B14F-4D97-AF65-F5344CB8AC3E}">
-        <p14:creationId xmlns:p14="http://schemas.microsoft.com/office/powerpoint/2010/main" val="2187032974"/>
-      </p:ext>
-    </p:extLst>
-  </p:cSld>
-  <p:clrMapOvr>
-    <a:masterClrMapping/>
-  </p:clrMapOvr>
-</p:sld>
-</file>
-
-<file path=ppt/slides/slide16.xml><?xml version="1.0" encoding="utf-8"?>
-<p:sld xmlns:a="http://schemas.openxmlformats.org/drawingml/2006/main" xmlns:r="http://schemas.openxmlformats.org/officeDocument/2006/relationships" xmlns:p="http://schemas.openxmlformats.org/presentationml/2006/main">
-  <p:cSld>
     <p:bg>
       <p:bgPr>
         <a:gradFill rotWithShape="1">
@@ -10213,7 +9046,7 @@
         </p:spPr>
         <p:txBody>
           <a:bodyPr vert="horz" lIns="91440" tIns="45720" rIns="91440" bIns="45720" rtlCol="0" anchor="ctr">
-            <a:normAutofit/>
+            <a:normAutofit fontScale="90000"/>
           </a:bodyPr>
           <a:lstStyle/>
           <a:p>
@@ -10223,7 +9056,22 @@
                   <a:srgbClr val="FFFFFF"/>
                 </a:solidFill>
               </a:rPr>
-              <a:t>Brief History</a:t>
+              <a:t>Cleansing Data</a:t>
+            </a:r>
+            <a:br>
+              <a:rPr lang="en-US" b="1" dirty="0">
+                <a:solidFill>
+                  <a:srgbClr val="FFFFFF"/>
+                </a:solidFill>
+              </a:rPr>
+            </a:br>
+            <a:r>
+              <a:rPr lang="en-US" b="1" dirty="0">
+                <a:solidFill>
+                  <a:srgbClr val="FFFFFF"/>
+                </a:solidFill>
+              </a:rPr>
+              <a:t>(Python)</a:t>
             </a:r>
           </a:p>
         </p:txBody>
@@ -10783,7 +9631,7 @@
         </p:spPr>
         <p:txBody>
           <a:bodyPr vert="horz" lIns="91440" tIns="45720" rIns="91440" bIns="45720" rtlCol="0" anchor="ctr">
-            <a:normAutofit/>
+            <a:normAutofit fontScale="90000"/>
           </a:bodyPr>
           <a:lstStyle/>
           <a:p>
@@ -10793,7 +9641,22 @@
                   <a:srgbClr val="FFFFFF"/>
                 </a:solidFill>
               </a:rPr>
-              <a:t>Brief History</a:t>
+              <a:t>Data Manipulation</a:t>
+            </a:r>
+            <a:br>
+              <a:rPr lang="en-US" b="1" dirty="0">
+                <a:solidFill>
+                  <a:srgbClr val="FFFFFF"/>
+                </a:solidFill>
+              </a:rPr>
+            </a:br>
+            <a:r>
+              <a:rPr lang="en-US" b="1" dirty="0">
+                <a:solidFill>
+                  <a:srgbClr val="FFFFFF"/>
+                </a:solidFill>
+              </a:rPr>
+              <a:t>(Dax &amp; Power Query)</a:t>
             </a:r>
           </a:p>
         </p:txBody>
